--- a/doc/user_manual/images/dist_part/dist_part_LN_to_GN.pptx
+++ b/doc/user_manual/images/dist_part/dist_part_LN_to_GN.pptx
@@ -208,7 +208,7 @@
           <a:p>
             <a:fld id="{E61F3277-4CCB-4D43-BAC1-37AC883EB584}" type="datetimeFigureOut">
               <a:rPr lang="fr-FR" smtClean="0"/>
-              <a:t>02/03/2022</a:t>
+              <a:t>04/03/2022</a:t>
             </a:fld>
             <a:endParaRPr lang="fr-FR"/>
           </a:p>
@@ -741,7 +741,7 @@
           <a:p>
             <a:fld id="{BBB401EE-740F-4031-A9F5-271D47C6AA99}" type="datetimeFigureOut">
               <a:rPr lang="fr-FR" smtClean="0"/>
-              <a:t>02/03/2022</a:t>
+              <a:t>04/03/2022</a:t>
             </a:fld>
             <a:endParaRPr lang="fr-FR"/>
           </a:p>
@@ -911,7 +911,7 @@
           <a:p>
             <a:fld id="{BBB401EE-740F-4031-A9F5-271D47C6AA99}" type="datetimeFigureOut">
               <a:rPr lang="fr-FR" smtClean="0"/>
-              <a:t>02/03/2022</a:t>
+              <a:t>04/03/2022</a:t>
             </a:fld>
             <a:endParaRPr lang="fr-FR"/>
           </a:p>
@@ -1091,7 +1091,7 @@
           <a:p>
             <a:fld id="{BBB401EE-740F-4031-A9F5-271D47C6AA99}" type="datetimeFigureOut">
               <a:rPr lang="fr-FR" smtClean="0"/>
-              <a:t>02/03/2022</a:t>
+              <a:t>04/03/2022</a:t>
             </a:fld>
             <a:endParaRPr lang="fr-FR"/>
           </a:p>
@@ -1261,7 +1261,7 @@
           <a:p>
             <a:fld id="{BBB401EE-740F-4031-A9F5-271D47C6AA99}" type="datetimeFigureOut">
               <a:rPr lang="fr-FR" smtClean="0"/>
-              <a:t>02/03/2022</a:t>
+              <a:t>04/03/2022</a:t>
             </a:fld>
             <a:endParaRPr lang="fr-FR"/>
           </a:p>
@@ -1507,7 +1507,7 @@
           <a:p>
             <a:fld id="{BBB401EE-740F-4031-A9F5-271D47C6AA99}" type="datetimeFigureOut">
               <a:rPr lang="fr-FR" smtClean="0"/>
-              <a:t>02/03/2022</a:t>
+              <a:t>04/03/2022</a:t>
             </a:fld>
             <a:endParaRPr lang="fr-FR"/>
           </a:p>
@@ -1795,7 +1795,7 @@
           <a:p>
             <a:fld id="{BBB401EE-740F-4031-A9F5-271D47C6AA99}" type="datetimeFigureOut">
               <a:rPr lang="fr-FR" smtClean="0"/>
-              <a:t>02/03/2022</a:t>
+              <a:t>04/03/2022</a:t>
             </a:fld>
             <a:endParaRPr lang="fr-FR"/>
           </a:p>
@@ -2217,7 +2217,7 @@
           <a:p>
             <a:fld id="{BBB401EE-740F-4031-A9F5-271D47C6AA99}" type="datetimeFigureOut">
               <a:rPr lang="fr-FR" smtClean="0"/>
-              <a:t>02/03/2022</a:t>
+              <a:t>04/03/2022</a:t>
             </a:fld>
             <a:endParaRPr lang="fr-FR"/>
           </a:p>
@@ -2335,7 +2335,7 @@
           <a:p>
             <a:fld id="{BBB401EE-740F-4031-A9F5-271D47C6AA99}" type="datetimeFigureOut">
               <a:rPr lang="fr-FR" smtClean="0"/>
-              <a:t>02/03/2022</a:t>
+              <a:t>04/03/2022</a:t>
             </a:fld>
             <a:endParaRPr lang="fr-FR"/>
           </a:p>
@@ -2430,7 +2430,7 @@
           <a:p>
             <a:fld id="{BBB401EE-740F-4031-A9F5-271D47C6AA99}" type="datetimeFigureOut">
               <a:rPr lang="fr-FR" smtClean="0"/>
-              <a:t>02/03/2022</a:t>
+              <a:t>04/03/2022</a:t>
             </a:fld>
             <a:endParaRPr lang="fr-FR"/>
           </a:p>
@@ -2707,7 +2707,7 @@
           <a:p>
             <a:fld id="{BBB401EE-740F-4031-A9F5-271D47C6AA99}" type="datetimeFigureOut">
               <a:rPr lang="fr-FR" smtClean="0"/>
-              <a:t>02/03/2022</a:t>
+              <a:t>04/03/2022</a:t>
             </a:fld>
             <a:endParaRPr lang="fr-FR"/>
           </a:p>
@@ -2960,7 +2960,7 @@
           <a:p>
             <a:fld id="{BBB401EE-740F-4031-A9F5-271D47C6AA99}" type="datetimeFigureOut">
               <a:rPr lang="fr-FR" smtClean="0"/>
-              <a:t>02/03/2022</a:t>
+              <a:t>04/03/2022</a:t>
             </a:fld>
             <a:endParaRPr lang="fr-FR"/>
           </a:p>
@@ -3173,7 +3173,7 @@
           <a:p>
             <a:fld id="{BBB401EE-740F-4031-A9F5-271D47C6AA99}" type="datetimeFigureOut">
               <a:rPr lang="fr-FR" smtClean="0"/>
-              <a:t>02/03/2022</a:t>
+              <a:t>04/03/2022</a:t>
             </a:fld>
             <a:endParaRPr lang="fr-FR"/>
           </a:p>
@@ -7508,7 +7508,7 @@
         </p:nvSpPr>
         <p:spPr>
           <a:xfrm>
-            <a:off x="4665390" y="4700012"/>
+            <a:off x="4874838" y="4700012"/>
             <a:ext cx="647637" cy="360040"/>
           </a:xfrm>
           <a:prstGeom prst="rect">
@@ -7558,7 +7558,7 @@
         </p:nvCxnSpPr>
         <p:spPr>
           <a:xfrm>
-            <a:off x="4881415" y="4700012"/>
+            <a:off x="5090863" y="4700012"/>
             <a:ext cx="0" cy="360040"/>
           </a:xfrm>
           <a:prstGeom prst="line">
@@ -7593,7 +7593,7 @@
         </p:nvCxnSpPr>
         <p:spPr>
           <a:xfrm>
-            <a:off x="5097439" y="4700012"/>
+            <a:off x="5306887" y="4700012"/>
             <a:ext cx="0" cy="360040"/>
           </a:xfrm>
           <a:prstGeom prst="line">
@@ -7628,8 +7628,8 @@
         </p:nvSpPr>
         <p:spPr>
           <a:xfrm>
-            <a:off x="3781198" y="3131676"/>
-            <a:ext cx="1882951" cy="369332"/>
+            <a:off x="2488815" y="3774536"/>
+            <a:ext cx="2057294" cy="369332"/>
           </a:xfrm>
           <a:prstGeom prst="rect">
             <a:avLst/>
@@ -7643,12 +7643,12 @@
           <a:lstStyle/>
           <a:p>
             <a:r>
+              <a:rPr lang="fr-FR" dirty="0" smtClean="0"/>
+              <a:t>LN to GN of </a:t>
+            </a:r>
+            <a:r>
               <a:rPr lang="fr-FR" dirty="0" err="1" smtClean="0"/>
-              <a:t>Vertices</a:t>
-            </a:r>
-            <a:r>
-              <a:rPr lang="fr-FR" dirty="0" smtClean="0"/>
-              <a:t> LN to GN </a:t>
+              <a:t>vertices</a:t>
             </a:r>
             <a:endParaRPr lang="fr-FR" dirty="0"/>
           </a:p>
@@ -7662,8 +7662,8 @@
         </p:nvSpPr>
         <p:spPr>
           <a:xfrm>
-            <a:off x="3753821" y="4355812"/>
-            <a:ext cx="1948419" cy="369332"/>
+            <a:off x="2491692" y="4702088"/>
+            <a:ext cx="2196883" cy="369332"/>
           </a:xfrm>
           <a:prstGeom prst="rect">
             <a:avLst/>
@@ -7677,12 +7677,20 @@
           <a:lstStyle/>
           <a:p>
             <a:r>
+              <a:rPr lang="fr-FR" dirty="0" smtClean="0"/>
+              <a:t>LN </a:t>
+            </a:r>
+            <a:r>
+              <a:rPr lang="fr-FR" dirty="0" smtClean="0"/>
+              <a:t>to </a:t>
+            </a:r>
+            <a:r>
+              <a:rPr lang="fr-FR" dirty="0" smtClean="0"/>
+              <a:t>GN of </a:t>
+            </a:r>
+            <a:r>
               <a:rPr lang="fr-FR" dirty="0" err="1" smtClean="0"/>
-              <a:t>Elements</a:t>
-            </a:r>
-            <a:r>
-              <a:rPr lang="fr-FR" dirty="0" smtClean="0"/>
-              <a:t> LN to GN</a:t>
+              <a:t>elements</a:t>
             </a:r>
             <a:endParaRPr lang="fr-FR" dirty="0" smtClean="0"/>
           </a:p>
@@ -8880,7 +8888,7 @@
         </p:nvSpPr>
         <p:spPr>
           <a:xfrm>
-            <a:off x="4623365" y="4727942"/>
+            <a:off x="4832813" y="4727942"/>
             <a:ext cx="721672" cy="307777"/>
           </a:xfrm>
           <a:prstGeom prst="rect">
@@ -9160,7 +9168,7 @@
         </p:nvSpPr>
         <p:spPr>
           <a:xfrm>
-            <a:off x="6832547" y="4665503"/>
+            <a:off x="7041995" y="4665503"/>
             <a:ext cx="647637" cy="360040"/>
           </a:xfrm>
           <a:prstGeom prst="rect">
@@ -9210,7 +9218,7 @@
         </p:nvCxnSpPr>
         <p:spPr>
           <a:xfrm>
-            <a:off x="7048572" y="4665503"/>
+            <a:off x="7258020" y="4665503"/>
             <a:ext cx="0" cy="360040"/>
           </a:xfrm>
           <a:prstGeom prst="line">
@@ -9245,7 +9253,7 @@
         </p:nvCxnSpPr>
         <p:spPr>
           <a:xfrm>
-            <a:off x="7264596" y="4665503"/>
+            <a:off x="7474044" y="4665503"/>
             <a:ext cx="0" cy="360040"/>
           </a:xfrm>
           <a:prstGeom prst="line">
@@ -9280,7 +9288,7 @@
         </p:nvSpPr>
         <p:spPr>
           <a:xfrm>
-            <a:off x="6790522" y="4693433"/>
+            <a:off x="6999970" y="4693433"/>
             <a:ext cx="721672" cy="307777"/>
           </a:xfrm>
           <a:prstGeom prst="rect">
@@ -9297,7 +9305,7 @@
             <a:r>
               <a:rPr lang="fr-FR" sz="1400" dirty="0" smtClean="0">
                 <a:solidFill>
-                  <a:srgbClr val="7030A0"/>
+                  <a:srgbClr val="1F497D"/>
                 </a:solidFill>
                 <a:latin typeface="Courier New" panose="02070309020205020404" pitchFamily="49" charset="0"/>
                 <a:cs typeface="Courier New" panose="02070309020205020404" pitchFamily="49" charset="0"/>
@@ -9306,7 +9314,7 @@
             </a:r>
             <a:endParaRPr lang="fr-FR" sz="1400" dirty="0">
               <a:solidFill>
-                <a:srgbClr val="7030A0"/>
+                <a:srgbClr val="1F497D"/>
               </a:solidFill>
             </a:endParaRPr>
           </a:p>
@@ -9320,7 +9328,7 @@
         </p:nvSpPr>
         <p:spPr>
           <a:xfrm>
-            <a:off x="4625002" y="5112712"/>
+            <a:off x="4834450" y="5112712"/>
             <a:ext cx="276038" cy="307777"/>
           </a:xfrm>
           <a:prstGeom prst="rect">
@@ -9358,7 +9366,7 @@
         </p:nvSpPr>
         <p:spPr>
           <a:xfrm rot="16200000">
-            <a:off x="4717753" y="5045672"/>
+            <a:off x="4927201" y="5045672"/>
             <a:ext cx="90537" cy="169563"/>
           </a:xfrm>
           <a:prstGeom prst="leftBrace">
@@ -9405,7 +9413,7 @@
         </p:nvSpPr>
         <p:spPr>
           <a:xfrm rot="16200000">
-            <a:off x="4941472" y="5045951"/>
+            <a:off x="5150920" y="5045951"/>
             <a:ext cx="90537" cy="169563"/>
           </a:xfrm>
           <a:prstGeom prst="leftBrace">
@@ -9452,7 +9460,7 @@
         </p:nvSpPr>
         <p:spPr>
           <a:xfrm rot="16200000">
-            <a:off x="5162030" y="5046228"/>
+            <a:off x="5371478" y="5046228"/>
             <a:ext cx="90536" cy="169564"/>
           </a:xfrm>
           <a:prstGeom prst="leftBrace">
@@ -9499,7 +9507,7 @@
         </p:nvSpPr>
         <p:spPr>
           <a:xfrm rot="16200000">
-            <a:off x="6897843" y="5020539"/>
+            <a:off x="7107291" y="5020539"/>
             <a:ext cx="90537" cy="169563"/>
           </a:xfrm>
           <a:prstGeom prst="leftBrace">
@@ -9546,7 +9554,7 @@
         </p:nvSpPr>
         <p:spPr>
           <a:xfrm rot="16200000">
-            <a:off x="7121562" y="5020818"/>
+            <a:off x="7331010" y="5020818"/>
             <a:ext cx="90537" cy="169563"/>
           </a:xfrm>
           <a:prstGeom prst="leftBrace">
@@ -9593,7 +9601,7 @@
         </p:nvSpPr>
         <p:spPr>
           <a:xfrm rot="16200000">
-            <a:off x="7342120" y="5021095"/>
+            <a:off x="7551568" y="5021095"/>
             <a:ext cx="90536" cy="169564"/>
           </a:xfrm>
           <a:prstGeom prst="leftBrace">
@@ -9640,7 +9648,7 @@
         </p:nvSpPr>
         <p:spPr>
           <a:xfrm>
-            <a:off x="4851189" y="5118584"/>
+            <a:off x="5060637" y="5118584"/>
             <a:ext cx="276038" cy="307777"/>
           </a:xfrm>
           <a:prstGeom prst="rect">
@@ -9678,7 +9686,7 @@
         </p:nvSpPr>
         <p:spPr>
           <a:xfrm>
-            <a:off x="5077376" y="5124456"/>
+            <a:off x="5286824" y="5124456"/>
             <a:ext cx="276038" cy="307777"/>
           </a:xfrm>
           <a:prstGeom prst="rect">
@@ -9716,7 +9724,7 @@
         </p:nvSpPr>
         <p:spPr>
           <a:xfrm>
-            <a:off x="6802492" y="5088474"/>
+            <a:off x="7011940" y="5088474"/>
             <a:ext cx="276038" cy="307777"/>
           </a:xfrm>
           <a:prstGeom prst="rect">
@@ -9733,14 +9741,14 @@
             <a:r>
               <a:rPr lang="fr-FR" sz="1400" dirty="0" smtClean="0">
                 <a:solidFill>
-                  <a:schemeClr val="accent4"/>
+                  <a:srgbClr val="1F497D"/>
                 </a:solidFill>
               </a:rPr>
               <a:t>1</a:t>
             </a:r>
             <a:endParaRPr lang="fr-FR" sz="1400" dirty="0">
               <a:solidFill>
-                <a:schemeClr val="accent4"/>
+                <a:srgbClr val="1F497D"/>
               </a:solidFill>
             </a:endParaRPr>
           </a:p>
@@ -9754,7 +9762,7 @@
         </p:nvSpPr>
         <p:spPr>
           <a:xfrm>
-            <a:off x="7028679" y="5094346"/>
+            <a:off x="7238127" y="5094346"/>
             <a:ext cx="276038" cy="307777"/>
           </a:xfrm>
           <a:prstGeom prst="rect">
@@ -9771,14 +9779,14 @@
             <a:r>
               <a:rPr lang="fr-FR" sz="1400" dirty="0" smtClean="0">
                 <a:solidFill>
-                  <a:schemeClr val="accent4"/>
+                  <a:srgbClr val="1F497D"/>
                 </a:solidFill>
               </a:rPr>
               <a:t>2</a:t>
             </a:r>
             <a:endParaRPr lang="fr-FR" sz="1400" dirty="0">
               <a:solidFill>
-                <a:schemeClr val="accent4"/>
+                <a:srgbClr val="1F497D"/>
               </a:solidFill>
             </a:endParaRPr>
           </a:p>
@@ -9792,7 +9800,7 @@
         </p:nvSpPr>
         <p:spPr>
           <a:xfrm>
-            <a:off x="7254866" y="5100218"/>
+            <a:off x="7464314" y="5100218"/>
             <a:ext cx="276038" cy="307777"/>
           </a:xfrm>
           <a:prstGeom prst="rect">
@@ -9809,14 +9817,14 @@
             <a:r>
               <a:rPr lang="fr-FR" sz="1400" dirty="0" smtClean="0">
                 <a:solidFill>
-                  <a:schemeClr val="accent4"/>
+                  <a:srgbClr val="1F497D"/>
                 </a:solidFill>
               </a:rPr>
               <a:t>3</a:t>
             </a:r>
             <a:endParaRPr lang="fr-FR" sz="1400" dirty="0">
               <a:solidFill>
-                <a:schemeClr val="accent4"/>
+                <a:srgbClr val="1F497D"/>
               </a:solidFill>
             </a:endParaRPr>
           </a:p>
@@ -9923,6 +9931,78 @@
             <a:r>
               <a:rPr lang="fr-FR" dirty="0" smtClean="0"/>
               <a:t> 1</a:t>
+            </a:r>
+            <a:endParaRPr lang="fr-FR" dirty="0"/>
+          </a:p>
+        </p:txBody>
+      </p:sp>
+      <p:sp>
+        <p:nvSpPr>
+          <p:cNvPr id="150" name="ZoneTexte 149"/>
+          <p:cNvSpPr txBox="1"/>
+          <p:nvPr/>
+        </p:nvSpPr>
+        <p:spPr>
+          <a:xfrm>
+            <a:off x="4860032" y="3087432"/>
+            <a:ext cx="1285929" cy="369332"/>
+          </a:xfrm>
+          <a:prstGeom prst="rect">
+            <a:avLst/>
+          </a:prstGeom>
+          <a:noFill/>
+        </p:spPr>
+        <p:txBody>
+          <a:bodyPr wrap="none" rtlCol="0">
+            <a:spAutoFit/>
+          </a:bodyPr>
+          <a:lstStyle/>
+          <a:p>
+            <a:r>
+              <a:rPr lang="fr-FR" dirty="0" err="1" smtClean="0"/>
+              <a:t>Sub-mesh</a:t>
+            </a:r>
+            <a:r>
+              <a:rPr lang="fr-FR" dirty="0" smtClean="0"/>
+              <a:t> 0</a:t>
+            </a:r>
+            <a:endParaRPr lang="fr-FR" dirty="0"/>
+          </a:p>
+        </p:txBody>
+      </p:sp>
+      <p:sp>
+        <p:nvSpPr>
+          <p:cNvPr id="151" name="ZoneTexte 150"/>
+          <p:cNvSpPr txBox="1"/>
+          <p:nvPr/>
+        </p:nvSpPr>
+        <p:spPr>
+          <a:xfrm>
+            <a:off x="6970932" y="3084662"/>
+            <a:ext cx="1285929" cy="369332"/>
+          </a:xfrm>
+          <a:prstGeom prst="rect">
+            <a:avLst/>
+          </a:prstGeom>
+          <a:noFill/>
+        </p:spPr>
+        <p:txBody>
+          <a:bodyPr wrap="none" rtlCol="0">
+            <a:spAutoFit/>
+          </a:bodyPr>
+          <a:lstStyle/>
+          <a:p>
+            <a:r>
+              <a:rPr lang="fr-FR" dirty="0" err="1" smtClean="0"/>
+              <a:t>Sub-mesh</a:t>
+            </a:r>
+            <a:r>
+              <a:rPr lang="fr-FR" dirty="0" smtClean="0"/>
+              <a:t> </a:t>
+            </a:r>
+            <a:r>
+              <a:rPr lang="fr-FR" dirty="0" smtClean="0"/>
+              <a:t>1</a:t>
             </a:r>
             <a:endParaRPr lang="fr-FR" dirty="0"/>
           </a:p>
